--- a/docs/motif_similarity_exploration/N-Glycan core basic_vs_Lactosamine motif.pptx
+++ b/docs/motif_similarity_exploration/N-Glycan core basic_vs_Lactosamine motif.pptx
@@ -106,7 +106,7 @@
   </p:defaultTextStyle>
   <p:extLst>
     <p:ext uri="{EFAFB233-063F-42B5-8137-9DF3F51BA10A}">
-      <p15:sldGuideLst xmlns:p15="http://schemas.microsoft.com/office/powerpoint/2012/main">
+      <p15:sldGuideLst xmlns="" xmlns:p15="http://schemas.microsoft.com/office/powerpoint/2012/main">
         <p15:guide id="1" orient="horz" pos="2880">
           <p15:clr>
             <a:srgbClr val="A4A3A4"/>
@@ -302,7 +302,7 @@
           <a:p>
             <a:fld id="{51FB45B9-A736-784F-884A-6BE3E4DF68E6}" type="datetimeFigureOut">
               <a:rPr lang="en-US" smtClean="0"/>
-              <a:t>8/31/2018</a:t>
+              <a:t>31/08/18</a:t>
             </a:fld>
             <a:endParaRPr lang="en-US"/>
           </a:p>
@@ -470,7 +470,7 @@
           <a:p>
             <a:fld id="{51FB45B9-A736-784F-884A-6BE3E4DF68E6}" type="datetimeFigureOut">
               <a:rPr lang="en-US" smtClean="0"/>
-              <a:t>8/31/2018</a:t>
+              <a:t>31/08/18</a:t>
             </a:fld>
             <a:endParaRPr lang="en-US"/>
           </a:p>
@@ -648,7 +648,7 @@
           <a:p>
             <a:fld id="{51FB45B9-A736-784F-884A-6BE3E4DF68E6}" type="datetimeFigureOut">
               <a:rPr lang="en-US" smtClean="0"/>
-              <a:t>8/31/2018</a:t>
+              <a:t>31/08/18</a:t>
             </a:fld>
             <a:endParaRPr lang="en-US"/>
           </a:p>
@@ -816,7 +816,7 @@
           <a:p>
             <a:fld id="{51FB45B9-A736-784F-884A-6BE3E4DF68E6}" type="datetimeFigureOut">
               <a:rPr lang="en-US" smtClean="0"/>
-              <a:t>8/31/2018</a:t>
+              <a:t>31/08/18</a:t>
             </a:fld>
             <a:endParaRPr lang="en-US"/>
           </a:p>
@@ -1061,7 +1061,7 @@
           <a:p>
             <a:fld id="{51FB45B9-A736-784F-884A-6BE3E4DF68E6}" type="datetimeFigureOut">
               <a:rPr lang="en-US" smtClean="0"/>
-              <a:t>8/31/2018</a:t>
+              <a:t>31/08/18</a:t>
             </a:fld>
             <a:endParaRPr lang="en-US"/>
           </a:p>
@@ -1346,7 +1346,7 @@
           <a:p>
             <a:fld id="{51FB45B9-A736-784F-884A-6BE3E4DF68E6}" type="datetimeFigureOut">
               <a:rPr lang="en-US" smtClean="0"/>
-              <a:t>8/31/2018</a:t>
+              <a:t>31/08/18</a:t>
             </a:fld>
             <a:endParaRPr lang="en-US"/>
           </a:p>
@@ -1770,7 +1770,7 @@
           <a:p>
             <a:fld id="{51FB45B9-A736-784F-884A-6BE3E4DF68E6}" type="datetimeFigureOut">
               <a:rPr lang="en-US" smtClean="0"/>
-              <a:t>8/31/2018</a:t>
+              <a:t>31/08/18</a:t>
             </a:fld>
             <a:endParaRPr lang="en-US"/>
           </a:p>
@@ -1887,7 +1887,7 @@
           <a:p>
             <a:fld id="{51FB45B9-A736-784F-884A-6BE3E4DF68E6}" type="datetimeFigureOut">
               <a:rPr lang="en-US" smtClean="0"/>
-              <a:t>8/31/2018</a:t>
+              <a:t>31/08/18</a:t>
             </a:fld>
             <a:endParaRPr lang="en-US"/>
           </a:p>
@@ -1982,7 +1982,7 @@
           <a:p>
             <a:fld id="{51FB45B9-A736-784F-884A-6BE3E4DF68E6}" type="datetimeFigureOut">
               <a:rPr lang="en-US" smtClean="0"/>
-              <a:t>8/31/2018</a:t>
+              <a:t>31/08/18</a:t>
             </a:fld>
             <a:endParaRPr lang="en-US"/>
           </a:p>
@@ -2257,7 +2257,7 @@
           <a:p>
             <a:fld id="{51FB45B9-A736-784F-884A-6BE3E4DF68E6}" type="datetimeFigureOut">
               <a:rPr lang="en-US" smtClean="0"/>
-              <a:t>8/31/2018</a:t>
+              <a:t>31/08/18</a:t>
             </a:fld>
             <a:endParaRPr lang="en-US"/>
           </a:p>
@@ -2509,7 +2509,7 @@
           <a:p>
             <a:fld id="{51FB45B9-A736-784F-884A-6BE3E4DF68E6}" type="datetimeFigureOut">
               <a:rPr lang="en-US" smtClean="0"/>
-              <a:t>8/31/2018</a:t>
+              <a:t>31/08/18</a:t>
             </a:fld>
             <a:endParaRPr lang="en-US"/>
           </a:p>
@@ -2720,7 +2720,7 @@
           <a:p>
             <a:fld id="{51FB45B9-A736-784F-884A-6BE3E4DF68E6}" type="datetimeFigureOut">
               <a:rPr lang="en-US" smtClean="0"/>
-              <a:t>8/31/2018</a:t>
+              <a:t>31/08/18</a:t>
             </a:fld>
             <a:endParaRPr lang="en-US"/>
           </a:p>
@@ -3095,6 +3095,36 @@
           <a:chExt cx="0" cy="0"/>
         </a:xfrm>
       </p:grpSpPr>
+      <p:pic>
+        <p:nvPicPr>
+          <p:cNvPr id="2" name="Picture 1" descr="N-Glycan core basic_vs_Lactosamine motif.eps"/>
+          <p:cNvPicPr>
+            <a:picLocks noChangeAspect="1"/>
+          </p:cNvPicPr>
+          <p:nvPr/>
+        </p:nvPicPr>
+        <p:blipFill>
+          <a:blip r:embed="rId2">
+            <a:extLst>
+              <a:ext uri="{28A0092B-C50C-407E-A947-70E740481C1C}">
+                <a14:useLocalDpi xmlns:a14="http://schemas.microsoft.com/office/drawing/2010/main" val="0"/>
+              </a:ext>
+            </a:extLst>
+          </a:blip>
+          <a:stretch>
+            <a:fillRect/>
+          </a:stretch>
+        </p:blipFill>
+        <p:spPr>
+          <a:xfrm>
+            <a:off x="0" y="3375040"/>
+            <a:ext cx="6858000" cy="5132343"/>
+          </a:xfrm>
+          <a:prstGeom prst="rect">
+            <a:avLst/>
+          </a:prstGeom>
+        </p:spPr>
+      </p:pic>
       <p:sp>
         <p:nvSpPr>
           <p:cNvPr id="15" name="Oval 14"/>
@@ -3103,14 +3133,14 @@
         </p:nvSpPr>
         <p:spPr>
           <a:xfrm>
-            <a:off x="781050" y="2760051"/>
+            <a:off x="781050" y="2963251"/>
             <a:ext cx="328613" cy="328613"/>
           </a:xfrm>
           <a:prstGeom prst="ellipse">
             <a:avLst/>
           </a:prstGeom>
           <a:solidFill>
-            <a:srgbClr val="5254A3"/>
+            <a:srgbClr val="2B2A66"/>
           </a:solidFill>
           <a:ln>
             <a:solidFill>
@@ -3143,86 +3173,13 @@
       </p:sp>
       <p:sp>
         <p:nvSpPr>
-          <p:cNvPr id="16" name="Oval 15"/>
-          <p:cNvSpPr/>
-          <p:nvPr/>
-        </p:nvSpPr>
-        <p:spPr>
-          <a:xfrm>
-            <a:off x="781051" y="1745368"/>
-            <a:ext cx="347060" cy="347060"/>
-          </a:xfrm>
-          <a:prstGeom prst="ellipse">
-            <a:avLst/>
-          </a:prstGeom>
-          <a:solidFill>
-            <a:srgbClr val="CEDB9C"/>
-          </a:solidFill>
-          <a:ln>
-            <a:noFill/>
-          </a:ln>
-        </p:spPr>
-        <p:style>
-          <a:lnRef idx="1">
-            <a:schemeClr val="accent1"/>
-          </a:lnRef>
-          <a:fillRef idx="3">
-            <a:schemeClr val="accent1"/>
-          </a:fillRef>
-          <a:effectRef idx="2">
-            <a:schemeClr val="accent1"/>
-          </a:effectRef>
-          <a:fontRef idx="minor">
-            <a:schemeClr val="lt1"/>
-          </a:fontRef>
-        </p:style>
-        <p:txBody>
-          <a:bodyPr rtlCol="0" anchor="ctr"/>
-          <a:lstStyle/>
-          <a:p>
-            <a:pPr algn="ctr"/>
-            <a:endParaRPr lang="en-US"/>
-          </a:p>
-        </p:txBody>
-      </p:sp>
-      <p:sp>
-        <p:nvSpPr>
-          <p:cNvPr id="17" name="TextBox 16"/>
-          <p:cNvSpPr txBox="1"/>
-          <p:nvPr/>
-        </p:nvSpPr>
-        <p:spPr>
-          <a:xfrm>
-            <a:off x="1289049" y="1781164"/>
-            <a:ext cx="2517407" cy="307777"/>
-          </a:xfrm>
-          <a:prstGeom prst="rect">
-            <a:avLst/>
-          </a:prstGeom>
-          <a:noFill/>
-        </p:spPr>
-        <p:txBody>
-          <a:bodyPr wrap="square" rtlCol="0">
-            <a:spAutoFit/>
-          </a:bodyPr>
-          <a:lstStyle/>
-          <a:p>
-            <a:r>
-              <a:rPr lang="en-US" sz="1400" dirty="0"/>
-              <a:t>N-Glycan core basic</a:t>
-            </a:r>
-          </a:p>
-        </p:txBody>
-      </p:sp>
-      <p:sp>
-        <p:nvSpPr>
           <p:cNvPr id="18" name="TextBox 17"/>
           <p:cNvSpPr txBox="1"/>
           <p:nvPr/>
         </p:nvSpPr>
         <p:spPr>
           <a:xfrm>
-            <a:off x="1289049" y="2797251"/>
+            <a:off x="1289049" y="3000451"/>
             <a:ext cx="2857648" cy="584775"/>
           </a:xfrm>
           <a:prstGeom prst="rect">
@@ -3255,7 +3212,7 @@
           <p:cNvPr id="14" name="Oval 13">
             <a:extLst>
               <a:ext uri="{FF2B5EF4-FFF2-40B4-BE49-F238E27FC236}">
-                <a16:creationId xmlns:a16="http://schemas.microsoft.com/office/drawing/2014/main" id="{7233B1DE-3C5A-4852-AB85-6E825D5CBB4F}"/>
+                <a16:creationId xmlns="" xmlns:a16="http://schemas.microsoft.com/office/drawing/2014/main" id="{7233B1DE-3C5A-4852-AB85-6E825D5CBB4F}"/>
               </a:ext>
             </a:extLst>
           </p:cNvPr>
@@ -3307,7 +3264,7 @@
           <p:cNvPr id="19" name="TextBox 18">
             <a:extLst>
               <a:ext uri="{FF2B5EF4-FFF2-40B4-BE49-F238E27FC236}">
-                <a16:creationId xmlns:a16="http://schemas.microsoft.com/office/drawing/2014/main" id="{958FF87F-EF9D-41BA-97C5-57AFDC5AA58C}"/>
+                <a16:creationId xmlns="" xmlns:a16="http://schemas.microsoft.com/office/drawing/2014/main" id="{958FF87F-EF9D-41BA-97C5-57AFDC5AA58C}"/>
               </a:ext>
             </a:extLst>
           </p:cNvPr>
@@ -3342,7 +3299,7 @@
           <p:cNvPr id="25" name="Image18">
             <a:extLst>
               <a:ext uri="{FF2B5EF4-FFF2-40B4-BE49-F238E27FC236}">
-                <a16:creationId xmlns:a16="http://schemas.microsoft.com/office/drawing/2014/main" id="{992226DC-A601-4B35-9AD0-C3DAF97A9D88}"/>
+                <a16:creationId xmlns="" xmlns:a16="http://schemas.microsoft.com/office/drawing/2014/main" id="{992226DC-A601-4B35-9AD0-C3DAF97A9D88}"/>
               </a:ext>
             </a:extLst>
           </p:cNvPr>
@@ -3357,7 +3314,7 @@
         </p:blipFill>
         <p:spPr bwMode="auto">
           <a:xfrm>
-            <a:off x="4008027" y="2641772"/>
+            <a:off x="4008027" y="2720462"/>
             <a:ext cx="1585630" cy="1142504"/>
           </a:xfrm>
           <a:prstGeom prst="rect">
@@ -3365,75 +3322,85 @@
           </a:prstGeom>
         </p:spPr>
       </p:pic>
-      <p:graphicFrame>
-        <p:nvGraphicFramePr>
-          <p:cNvPr id="4" name="Object 3">
-            <a:extLst>
-              <a:ext uri="{FF2B5EF4-FFF2-40B4-BE49-F238E27FC236}">
-                <a16:creationId xmlns:a16="http://schemas.microsoft.com/office/drawing/2014/main" id="{880B950E-A937-42D2-A12A-66DA9EA50656}"/>
-              </a:ext>
-            </a:extLst>
-          </p:cNvPr>
-          <p:cNvGraphicFramePr>
-            <a:graphicFrameLocks noChangeAspect="1"/>
-          </p:cNvGraphicFramePr>
-          <p:nvPr>
-            <p:extLst>
-              <p:ext uri="{D42A27DB-BD31-4B8C-83A1-F6EECF244321}">
-                <p14:modId xmlns:p14="http://schemas.microsoft.com/office/powerpoint/2010/main" val="2464678385"/>
-              </p:ext>
-            </p:extLst>
-          </p:nvPr>
-        </p:nvGraphicFramePr>
-        <p:xfrm>
-          <a:off x="17135" y="4146115"/>
-          <a:ext cx="6840865" cy="5134359"/>
-        </p:xfrm>
-        <a:graphic>
-          <a:graphicData uri="http://schemas.openxmlformats.org/presentationml/2006/ole">
-            <mc:AlternateContent xmlns:mc="http://schemas.openxmlformats.org/markup-compatibility/2006">
-              <mc:Choice xmlns:v="urn:schemas-microsoft-com:vml" Requires="v">
-                <p:oleObj spid="_x0000_s1032" name="Acrobat Document" r:id="rId4" imgW="4390916" imgH="3295437" progId="AcroExch.Document.DC">
-                  <p:embed/>
-                </p:oleObj>
-              </mc:Choice>
-              <mc:Fallback>
-                <p:oleObj name="Acrobat Document" r:id="rId4" imgW="4390916" imgH="3295437" progId="AcroExch.Document.DC">
-                  <p:embed/>
-                  <p:pic>
-                    <p:nvPicPr>
-                      <p:cNvPr id="0" name=""/>
-                      <p:cNvPicPr/>
-                      <p:nvPr/>
-                    </p:nvPicPr>
-                    <p:blipFill>
-                      <a:blip r:embed="rId5"/>
-                      <a:stretch>
-                        <a:fillRect/>
-                      </a:stretch>
-                    </p:blipFill>
-                    <p:spPr>
-                      <a:xfrm>
-                        <a:off x="17135" y="4146115"/>
-                        <a:ext cx="6840865" cy="5134359"/>
-                      </a:xfrm>
-                      <a:prstGeom prst="rect">
-                        <a:avLst/>
-                      </a:prstGeom>
-                    </p:spPr>
-                  </p:pic>
-                </p:oleObj>
-              </mc:Fallback>
-            </mc:AlternateContent>
-          </a:graphicData>
-        </a:graphic>
-      </p:graphicFrame>
+      <p:sp>
+        <p:nvSpPr>
+          <p:cNvPr id="16" name="Oval 15"/>
+          <p:cNvSpPr/>
+          <p:nvPr/>
+        </p:nvSpPr>
+        <p:spPr>
+          <a:xfrm>
+            <a:off x="781051" y="2075568"/>
+            <a:ext cx="347060" cy="347060"/>
+          </a:xfrm>
+          <a:prstGeom prst="ellipse">
+            <a:avLst/>
+          </a:prstGeom>
+          <a:solidFill>
+            <a:srgbClr val="CEDB9C"/>
+          </a:solidFill>
+          <a:ln>
+            <a:noFill/>
+          </a:ln>
+        </p:spPr>
+        <p:style>
+          <a:lnRef idx="1">
+            <a:schemeClr val="accent1"/>
+          </a:lnRef>
+          <a:fillRef idx="3">
+            <a:schemeClr val="accent1"/>
+          </a:fillRef>
+          <a:effectRef idx="2">
+            <a:schemeClr val="accent1"/>
+          </a:effectRef>
+          <a:fontRef idx="minor">
+            <a:schemeClr val="lt1"/>
+          </a:fontRef>
+        </p:style>
+        <p:txBody>
+          <a:bodyPr rtlCol="0" anchor="ctr"/>
+          <a:lstStyle/>
+          <a:p>
+            <a:pPr algn="ctr"/>
+            <a:endParaRPr lang="en-US"/>
+          </a:p>
+        </p:txBody>
+      </p:sp>
+      <p:sp>
+        <p:nvSpPr>
+          <p:cNvPr id="17" name="TextBox 16"/>
+          <p:cNvSpPr txBox="1"/>
+          <p:nvPr/>
+        </p:nvSpPr>
+        <p:spPr>
+          <a:xfrm>
+            <a:off x="1289049" y="2111364"/>
+            <a:ext cx="2517407" cy="307777"/>
+          </a:xfrm>
+          <a:prstGeom prst="rect">
+            <a:avLst/>
+          </a:prstGeom>
+          <a:noFill/>
+        </p:spPr>
+        <p:txBody>
+          <a:bodyPr wrap="square" rtlCol="0">
+            <a:spAutoFit/>
+          </a:bodyPr>
+          <a:lstStyle/>
+          <a:p>
+            <a:r>
+              <a:rPr lang="en-US" sz="1400" dirty="0"/>
+              <a:t>N-Glycan core basic</a:t>
+            </a:r>
+          </a:p>
+        </p:txBody>
+      </p:sp>
       <p:pic>
         <p:nvPicPr>
           <p:cNvPr id="26" name="Image11">
             <a:extLst>
               <a:ext uri="{FF2B5EF4-FFF2-40B4-BE49-F238E27FC236}">
-                <a16:creationId xmlns:a16="http://schemas.microsoft.com/office/drawing/2014/main" id="{72E28690-2D8A-42B1-AAE8-A90A9A1283AC}"/>
+                <a16:creationId xmlns="" xmlns:a16="http://schemas.microsoft.com/office/drawing/2014/main" id="{72E28690-2D8A-42B1-AAE8-A90A9A1283AC}"/>
               </a:ext>
             </a:extLst>
           </p:cNvPr>
@@ -3441,14 +3408,14 @@
           <p:nvPr/>
         </p:nvPicPr>
         <p:blipFill>
-          <a:blip r:embed="rId6"/>
+          <a:blip r:embed="rId4"/>
           <a:stretch>
             <a:fillRect/>
           </a:stretch>
         </p:blipFill>
         <p:spPr bwMode="auto">
           <a:xfrm>
-            <a:off x="3545447" y="1354979"/>
+            <a:off x="3545447" y="1685179"/>
             <a:ext cx="2510790" cy="1160145"/>
           </a:xfrm>
           <a:prstGeom prst="rect">
@@ -3456,6 +3423,51 @@
           </a:prstGeom>
         </p:spPr>
       </p:pic>
+      <p:sp>
+        <p:nvSpPr>
+          <p:cNvPr id="3" name="Rectangle 2"/>
+          <p:cNvSpPr/>
+          <p:nvPr/>
+        </p:nvSpPr>
+        <p:spPr>
+          <a:xfrm>
+            <a:off x="5959475" y="4000500"/>
+            <a:ext cx="200025" cy="209550"/>
+          </a:xfrm>
+          <a:prstGeom prst="rect">
+            <a:avLst/>
+          </a:prstGeom>
+          <a:solidFill>
+            <a:schemeClr val="bg1"/>
+          </a:solidFill>
+          <a:ln>
+            <a:noFill/>
+          </a:ln>
+          <a:effectLst/>
+        </p:spPr>
+        <p:style>
+          <a:lnRef idx="1">
+            <a:schemeClr val="accent1"/>
+          </a:lnRef>
+          <a:fillRef idx="3">
+            <a:schemeClr val="accent1"/>
+          </a:fillRef>
+          <a:effectRef idx="2">
+            <a:schemeClr val="accent1"/>
+          </a:effectRef>
+          <a:fontRef idx="minor">
+            <a:schemeClr val="lt1"/>
+          </a:fontRef>
+        </p:style>
+        <p:txBody>
+          <a:bodyPr rtlCol="0" anchor="ctr"/>
+          <a:lstStyle/>
+          <a:p>
+            <a:pPr algn="ctr"/>
+            <a:endParaRPr lang="en-US"/>
+          </a:p>
+        </p:txBody>
+      </p:sp>
     </p:spTree>
     <p:extLst>
       <p:ext uri="{BB962C8B-B14F-4D97-AF65-F5344CB8AC3E}">
